--- a/221125_8기_구미_3반_관통PJT_김부경_황지연.pptx
+++ b/221125_8기_구미_3반_관통PJT_김부경_황지연.pptx
@@ -3077,7 +3077,7 @@
         <p:spPr>
           <a:xfrm>
             <a:off x="3760020" y="3903909"/>
-            <a:ext cx="6713328" cy="1593299"/>
+            <a:ext cx="6713099" cy="1578261"/>
           </a:xfrm>
           <a:prstGeom prst="rect">
             <a:avLst/>
@@ -3101,7 +3101,7 @@
         <p:spPr>
           <a:xfrm>
             <a:off x="14068976" y="7797513"/>
-            <a:ext cx="2960324" cy="595953"/>
+            <a:ext cx="2960095" cy="595953"/>
           </a:xfrm>
           <a:prstGeom prst="rect">
             <a:avLst/>
@@ -3125,7 +3125,7 @@
         <p:spPr>
           <a:xfrm>
             <a:off x="15611709" y="8751530"/>
-            <a:ext cx="1373946" cy="467869"/>
+            <a:ext cx="1373955" cy="471784"/>
           </a:xfrm>
           <a:prstGeom prst="rect">
             <a:avLst/>
@@ -3149,7 +3149,7 @@
         <p:spPr>
           <a:xfrm>
             <a:off x="15108449" y="8420573"/>
-            <a:ext cx="1873393" cy="467869"/>
+            <a:ext cx="1873193" cy="471784"/>
           </a:xfrm>
           <a:prstGeom prst="rect">
             <a:avLst/>
@@ -3173,7 +3173,7 @@
         <p:spPr>
           <a:xfrm>
             <a:off x="5828137" y="5940516"/>
-            <a:ext cx="6652290" cy="619033"/>
+            <a:ext cx="6652680" cy="619033"/>
           </a:xfrm>
           <a:prstGeom prst="rect">
             <a:avLst/>
@@ -3449,7 +3449,7 @@
         <p:spPr>
           <a:xfrm>
             <a:off x="6682632" y="3547956"/>
-            <a:ext cx="4709091" cy="1589281"/>
+            <a:ext cx="4709110" cy="1587786"/>
           </a:xfrm>
           <a:prstGeom prst="rect">
             <a:avLst/>
@@ -3701,7 +3701,7 @@
         <p:spPr>
           <a:xfrm>
             <a:off x="6682634" y="3547953"/>
-            <a:ext cx="5147900" cy="1602824"/>
+            <a:ext cx="5147566" cy="1587786"/>
           </a:xfrm>
           <a:prstGeom prst="rect">
             <a:avLst/>
@@ -3725,7 +3725,7 @@
         <p:spPr>
           <a:xfrm>
             <a:off x="6559750" y="5401635"/>
-            <a:ext cx="3404697" cy="881182"/>
+            <a:ext cx="3404697" cy="797687"/>
           </a:xfrm>
           <a:prstGeom prst="rect">
             <a:avLst/>
@@ -4016,7 +4016,7 @@
         <p:spPr>
           <a:xfrm>
             <a:off x="1265192" y="1173123"/>
-            <a:ext cx="1574343" cy="1039095"/>
+            <a:ext cx="1574343" cy="1039305"/>
           </a:xfrm>
           <a:prstGeom prst="rect">
             <a:avLst/>
@@ -4040,7 +4040,7 @@
         <p:spPr>
           <a:xfrm>
             <a:off x="1898428" y="5027497"/>
-            <a:ext cx="1128157" cy="514271"/>
+            <a:ext cx="1127890" cy="514271"/>
           </a:xfrm>
           <a:prstGeom prst="rect">
             <a:avLst/>
@@ -4064,7 +4064,7 @@
         <p:spPr>
           <a:xfrm>
             <a:off x="1894618" y="5667754"/>
-            <a:ext cx="1656616" cy="399359"/>
+            <a:ext cx="1656616" cy="407454"/>
           </a:xfrm>
           <a:prstGeom prst="rect">
             <a:avLst/>
@@ -4088,7 +4088,7 @@
         <p:spPr>
           <a:xfrm>
             <a:off x="9818715" y="5027496"/>
-            <a:ext cx="2648728" cy="523795"/>
+            <a:ext cx="2648157" cy="523795"/>
           </a:xfrm>
           <a:prstGeom prst="rect">
             <a:avLst/>
@@ -4112,7 +4112,7 @@
         <p:spPr>
           <a:xfrm>
             <a:off x="9887829" y="5667753"/>
-            <a:ext cx="2000825" cy="429035"/>
+            <a:ext cx="2000863" cy="429035"/>
           </a:xfrm>
           <a:prstGeom prst="rect">
             <a:avLst/>
@@ -4460,7 +4460,7 @@
         <p:spPr>
           <a:xfrm>
             <a:off x="893984" y="570339"/>
-            <a:ext cx="4742780" cy="1405684"/>
+            <a:ext cx="4743046" cy="1405894"/>
           </a:xfrm>
           <a:prstGeom prst="rect">
             <a:avLst/>
@@ -4484,7 +4484,7 @@
         <p:spPr>
           <a:xfrm>
             <a:off x="5816601" y="1124620"/>
-            <a:ext cx="2502843" cy="495224"/>
+            <a:ext cx="2503548" cy="495224"/>
           </a:xfrm>
           <a:prstGeom prst="rect">
             <a:avLst/>
@@ -4586,7 +4586,7 @@
         <p:spPr>
           <a:xfrm>
             <a:off x="1457151" y="7401399"/>
-            <a:ext cx="2283443" cy="632262"/>
+            <a:ext cx="2283300" cy="622795"/>
           </a:xfrm>
           <a:prstGeom prst="rect">
             <a:avLst/>
@@ -4649,7 +4649,7 @@
         <p:spPr>
           <a:xfrm>
             <a:off x="6743792" y="7401399"/>
-            <a:ext cx="2381062" cy="632262"/>
+            <a:ext cx="2381033" cy="622795"/>
           </a:xfrm>
           <a:prstGeom prst="rect">
             <a:avLst/>
@@ -4853,7 +4853,7 @@
         <p:spPr>
           <a:xfrm>
             <a:off x="11888104" y="8333649"/>
-            <a:ext cx="5509043" cy="510472"/>
+            <a:ext cx="5509758" cy="515005"/>
           </a:xfrm>
           <a:prstGeom prst="rect">
             <a:avLst/>
@@ -5012,7 +5012,7 @@
         <p:spPr>
           <a:xfrm>
             <a:off x="5844603" y="781238"/>
-            <a:ext cx="7197617" cy="1243779"/>
+            <a:ext cx="7198302" cy="1243988"/>
           </a:xfrm>
           <a:prstGeom prst="rect">
             <a:avLst/>
@@ -5060,7 +5060,7 @@
         <p:spPr>
           <a:xfrm>
             <a:off x="807614" y="5788790"/>
-            <a:ext cx="2396658" cy="586658"/>
+            <a:ext cx="2396639" cy="568277"/>
           </a:xfrm>
           <a:prstGeom prst="rect">
             <a:avLst/>
@@ -5162,7 +5162,7 @@
         <p:spPr>
           <a:xfrm>
             <a:off x="8653564" y="3072384"/>
-            <a:ext cx="3636110" cy="485700"/>
+            <a:ext cx="3636091" cy="485700"/>
           </a:xfrm>
           <a:prstGeom prst="rect">
             <a:avLst/>
@@ -5360,7 +5360,7 @@
         <p:spPr>
           <a:xfrm>
             <a:off x="1187479" y="1543803"/>
-            <a:ext cx="4922627" cy="1243780"/>
+            <a:ext cx="4922884" cy="1243989"/>
           </a:xfrm>
           <a:prstGeom prst="rect">
             <a:avLst/>
@@ -5432,7 +5432,7 @@
         <p:spPr>
           <a:xfrm>
             <a:off x="8062266" y="3069961"/>
-            <a:ext cx="2636233" cy="649766"/>
+            <a:ext cx="2636080" cy="652023"/>
           </a:xfrm>
           <a:prstGeom prst="rect">
             <a:avLst/>
@@ -5456,7 +5456,7 @@
         <p:spPr>
           <a:xfrm>
             <a:off x="8062266" y="4879237"/>
-            <a:ext cx="2634318" cy="649766"/>
+            <a:ext cx="2633909" cy="652023"/>
           </a:xfrm>
           <a:prstGeom prst="rect">
             <a:avLst/>
@@ -5504,7 +5504,7 @@
         <p:spPr>
           <a:xfrm>
             <a:off x="8062266" y="7457923"/>
-            <a:ext cx="2341652" cy="661500"/>
+            <a:ext cx="2342404" cy="652023"/>
           </a:xfrm>
           <a:prstGeom prst="rect">
             <a:avLst/>
@@ -5897,7 +5897,7 @@
         <p:spPr>
           <a:xfrm>
             <a:off x="1187479" y="1543803"/>
-            <a:ext cx="5160722" cy="1243780"/>
+            <a:ext cx="5160980" cy="1243989"/>
           </a:xfrm>
           <a:prstGeom prst="rect">
             <a:avLst/>
@@ -5969,7 +5969,7 @@
         <p:spPr>
           <a:xfrm>
             <a:off x="8062266" y="2690824"/>
-            <a:ext cx="3288319" cy="661500"/>
+            <a:ext cx="3289557" cy="652023"/>
           </a:xfrm>
           <a:prstGeom prst="rect">
             <a:avLst/>
@@ -5993,7 +5993,7 @@
         <p:spPr>
           <a:xfrm>
             <a:off x="8062266" y="4879237"/>
-            <a:ext cx="4300700" cy="661500"/>
+            <a:ext cx="4302109" cy="652023"/>
           </a:xfrm>
           <a:prstGeom prst="rect">
             <a:avLst/>
@@ -6016,8 +6016,8 @@
         </p:blipFill>
         <p:spPr>
           <a:xfrm>
-            <a:off x="8077144" y="7726925"/>
-            <a:ext cx="7067092" cy="450272"/>
+            <a:off x="8077144" y="7712068"/>
+            <a:ext cx="6365539" cy="494844"/>
           </a:xfrm>
           <a:prstGeom prst="rect">
             <a:avLst/>
@@ -6041,7 +6041,7 @@
         <p:spPr>
           <a:xfrm>
             <a:off x="8062266" y="7115066"/>
-            <a:ext cx="2341652" cy="661500"/>
+            <a:ext cx="2342404" cy="652023"/>
           </a:xfrm>
           <a:prstGeom prst="rect">
             <a:avLst/>
@@ -6815,7 +6815,7 @@
         <p:spPr>
           <a:xfrm>
             <a:off x="8456713" y="3515755"/>
-            <a:ext cx="2259551" cy="1088941"/>
+            <a:ext cx="2259561" cy="1089170"/>
           </a:xfrm>
           <a:prstGeom prst="rect">
             <a:avLst/>
@@ -6838,8 +6838,8 @@
         </p:blipFill>
         <p:spPr>
           <a:xfrm>
-            <a:off x="6792382" y="4951906"/>
-            <a:ext cx="4730844" cy="4360796"/>
+            <a:off x="6784382" y="4934191"/>
+            <a:ext cx="4794968" cy="4419025"/>
           </a:xfrm>
           <a:prstGeom prst="rect">
             <a:avLst/>
@@ -6887,7 +6887,7 @@
         <p:spPr>
           <a:xfrm>
             <a:off x="1160374" y="1160079"/>
-            <a:ext cx="6493321" cy="1253302"/>
+            <a:ext cx="6494017" cy="1253512"/>
           </a:xfrm>
           <a:prstGeom prst="rect">
             <a:avLst/>
@@ -6911,7 +6911,7 @@
         <p:spPr>
           <a:xfrm>
             <a:off x="7641621" y="1695313"/>
-            <a:ext cx="5819272" cy="495224"/>
+            <a:ext cx="5820843" cy="495224"/>
           </a:xfrm>
           <a:prstGeom prst="rect">
             <a:avLst/>
@@ -6974,7 +6974,7 @@
         <p:spPr>
           <a:xfrm>
             <a:off x="2970111" y="3530993"/>
-            <a:ext cx="2369684" cy="1088941"/>
+            <a:ext cx="2369684" cy="1089170"/>
           </a:xfrm>
           <a:prstGeom prst="rect">
             <a:avLst/>
@@ -6998,7 +6998,7 @@
         <p:spPr>
           <a:xfrm>
             <a:off x="13843348" y="3462015"/>
-            <a:ext cx="2355408" cy="1565608"/>
+            <a:ext cx="2355561" cy="1565656"/>
           </a:xfrm>
           <a:prstGeom prst="rect">
             <a:avLst/>
@@ -7133,7 +7133,7 @@
         <p:spPr>
           <a:xfrm>
             <a:off x="5893298" y="1443213"/>
-            <a:ext cx="5877749" cy="1238064"/>
+            <a:ext cx="5877606" cy="1253511"/>
           </a:xfrm>
           <a:prstGeom prst="rect">
             <a:avLst/>
@@ -7265,9 +7265,9 @@
         </p:nvGrpSpPr>
         <p:grpSpPr>
           <a:xfrm>
-            <a:off x="2406878" y="5393704"/>
+            <a:off x="1989403" y="4606781"/>
             <a:ext cx="2585507" cy="2260207"/>
-            <a:chOff x="2406878" y="5393704"/>
+            <a:chOff x="1989403" y="4606781"/>
             <a:chExt cx="2585507" cy="2260207"/>
           </a:xfrm>
         </p:grpSpPr>
@@ -7279,9 +7279,9 @@
           </p:nvGrpSpPr>
           <p:grpSpPr>
             <a:xfrm>
-              <a:off x="2406878" y="5393704"/>
+              <a:off x="1989403" y="4606781"/>
               <a:ext cx="2585507" cy="2260207"/>
-              <a:chOff x="2406878" y="5393704"/>
+              <a:chOff x="1989403" y="4606781"/>
               <a:chExt cx="2585507" cy="2260207"/>
             </a:xfrm>
           </p:grpSpPr>
@@ -7301,7 +7301,7 @@
             </p:blipFill>
             <p:spPr>
               <a:xfrm>
-                <a:off x="2406878" y="5393704"/>
+                <a:off x="1989403" y="4606781"/>
                 <a:ext cx="2585507" cy="2260207"/>
               </a:xfrm>
               <a:prstGeom prst="rect">
@@ -7326,8 +7326,8 @@
           </p:blipFill>
           <p:spPr>
             <a:xfrm>
-              <a:off x="2656973" y="6146575"/>
-              <a:ext cx="1845339" cy="815815"/>
+              <a:off x="2239498" y="5359652"/>
+              <a:ext cx="1845358" cy="816101"/>
             </a:xfrm>
             <a:prstGeom prst="rect">
               <a:avLst/>
@@ -7343,9 +7343,9 @@
         </p:nvGrpSpPr>
         <p:grpSpPr>
           <a:xfrm>
-            <a:off x="12900769" y="5418822"/>
+            <a:off x="12483294" y="4631899"/>
             <a:ext cx="2434652" cy="2374934"/>
-            <a:chOff x="12900769" y="5418822"/>
+            <a:chOff x="12483294" y="4631899"/>
             <a:chExt cx="2434652" cy="2374934"/>
           </a:xfrm>
         </p:grpSpPr>
@@ -7357,9 +7357,9 @@
           </p:nvGrpSpPr>
           <p:grpSpPr>
             <a:xfrm>
-              <a:off x="12900769" y="5418822"/>
+              <a:off x="12483294" y="4631899"/>
               <a:ext cx="2434652" cy="2374934"/>
-              <a:chOff x="12900769" y="5418822"/>
+              <a:chOff x="12483294" y="4631899"/>
               <a:chExt cx="2434652" cy="2374934"/>
             </a:xfrm>
           </p:grpSpPr>
@@ -7379,7 +7379,7 @@
             </p:blipFill>
             <p:spPr>
               <a:xfrm>
-                <a:off x="12900769" y="5418822"/>
+                <a:off x="12483294" y="4631899"/>
                 <a:ext cx="2434652" cy="2374934"/>
               </a:xfrm>
               <a:prstGeom prst="rect">
@@ -7404,8 +7404,8 @@
           </p:blipFill>
           <p:spPr>
             <a:xfrm>
-              <a:off x="13075436" y="6229052"/>
-              <a:ext cx="2101491" cy="796767"/>
+              <a:off x="12657962" y="5442130"/>
+              <a:ext cx="2101586" cy="797053"/>
             </a:xfrm>
             <a:prstGeom prst="rect">
               <a:avLst/>
@@ -7421,9 +7421,9 @@
         </p:nvGrpSpPr>
         <p:grpSpPr>
           <a:xfrm>
-            <a:off x="6239986" y="5286630"/>
+            <a:off x="5822511" y="4499707"/>
             <a:ext cx="2434652" cy="2374934"/>
-            <a:chOff x="6239986" y="5286630"/>
+            <a:chOff x="5822511" y="4499707"/>
             <a:chExt cx="2434652" cy="2374934"/>
           </a:xfrm>
         </p:grpSpPr>
@@ -7435,9 +7435,9 @@
           </p:nvGrpSpPr>
           <p:grpSpPr>
             <a:xfrm>
-              <a:off x="6239986" y="5286630"/>
+              <a:off x="5822511" y="4499707"/>
               <a:ext cx="2434652" cy="2374934"/>
-              <a:chOff x="6239986" y="5286630"/>
+              <a:chOff x="5822511" y="4499707"/>
               <a:chExt cx="2434652" cy="2374934"/>
             </a:xfrm>
           </p:grpSpPr>
@@ -7457,7 +7457,7 @@
             </p:blipFill>
             <p:spPr>
               <a:xfrm>
-                <a:off x="6239986" y="5286630"/>
+                <a:off x="5822511" y="4499707"/>
                 <a:ext cx="2434652" cy="2374934"/>
               </a:xfrm>
               <a:prstGeom prst="rect">
@@ -7482,8 +7482,8 @@
           </p:blipFill>
           <p:spPr>
             <a:xfrm>
-              <a:off x="6435497" y="6124355"/>
-              <a:ext cx="1731948" cy="787244"/>
+              <a:off x="6018022" y="5337433"/>
+              <a:ext cx="1731844" cy="787529"/>
             </a:xfrm>
             <a:prstGeom prst="rect">
               <a:avLst/>
@@ -7499,9 +7499,9 @@
         </p:nvGrpSpPr>
         <p:grpSpPr>
           <a:xfrm>
-            <a:off x="9548779" y="5417390"/>
+            <a:off x="9131304" y="4630467"/>
             <a:ext cx="2585507" cy="2260207"/>
-            <a:chOff x="9548779" y="5417390"/>
+            <a:chOff x="9131304" y="4630467"/>
             <a:chExt cx="2585507" cy="2260207"/>
           </a:xfrm>
         </p:grpSpPr>
@@ -7513,9 +7513,9 @@
           </p:nvGrpSpPr>
           <p:grpSpPr>
             <a:xfrm>
-              <a:off x="9548779" y="5417390"/>
+              <a:off x="9131304" y="4630467"/>
               <a:ext cx="2585507" cy="2260207"/>
-              <a:chOff x="9548779" y="5417390"/>
+              <a:chOff x="9131304" y="4630467"/>
               <a:chExt cx="2585507" cy="2260207"/>
             </a:xfrm>
           </p:grpSpPr>
@@ -7535,7 +7535,7 @@
             </p:blipFill>
             <p:spPr>
               <a:xfrm>
-                <a:off x="9548779" y="5417390"/>
+                <a:off x="9131304" y="4630467"/>
                 <a:ext cx="2585507" cy="2260207"/>
               </a:xfrm>
               <a:prstGeom prst="rect">
@@ -7560,7 +7560,7 @@
           </p:blipFill>
           <p:spPr>
             <a:xfrm>
-              <a:off x="9798897" y="6170260"/>
+              <a:off x="9381422" y="5383337"/>
               <a:ext cx="1770463" cy="530520"/>
             </a:xfrm>
             <a:prstGeom prst="rect">
@@ -7577,9 +7577,9 @@
         </p:nvGrpSpPr>
         <p:grpSpPr>
           <a:xfrm>
-            <a:off x="1250272" y="7866829"/>
+            <a:off x="832797" y="7079906"/>
             <a:ext cx="4898719" cy="2080727"/>
-            <a:chOff x="1250272" y="7866829"/>
+            <a:chOff x="832797" y="7079906"/>
             <a:chExt cx="4898719" cy="2080727"/>
           </a:xfrm>
         </p:grpSpPr>
@@ -7599,7 +7599,7 @@
           </p:blipFill>
           <p:spPr>
             <a:xfrm>
-              <a:off x="1250272" y="7866829"/>
+              <a:off x="832797" y="7079906"/>
               <a:ext cx="4898719" cy="2080727"/>
             </a:xfrm>
             <a:prstGeom prst="rect">
@@ -7616,9 +7616,9 @@
         </p:nvGrpSpPr>
         <p:grpSpPr>
           <a:xfrm>
-            <a:off x="6513948" y="7859921"/>
+            <a:off x="6096473" y="7072998"/>
             <a:ext cx="2356811" cy="2099598"/>
-            <a:chOff x="6513948" y="7859921"/>
+            <a:chOff x="6096473" y="7072998"/>
             <a:chExt cx="2356811" cy="2099598"/>
           </a:xfrm>
         </p:grpSpPr>
@@ -7638,7 +7638,7 @@
           </p:blipFill>
           <p:spPr>
             <a:xfrm>
-              <a:off x="6513948" y="7859921"/>
+              <a:off x="6096473" y="7072998"/>
               <a:ext cx="2356811" cy="2099598"/>
             </a:xfrm>
             <a:prstGeom prst="rect">
@@ -7655,9 +7655,9 @@
         </p:nvGrpSpPr>
         <p:grpSpPr>
           <a:xfrm>
-            <a:off x="9275165" y="8500158"/>
+            <a:off x="8857690" y="7713235"/>
             <a:ext cx="2424391" cy="919596"/>
-            <a:chOff x="9275165" y="8500158"/>
+            <a:chOff x="8857690" y="7713235"/>
             <a:chExt cx="2424391" cy="919596"/>
           </a:xfrm>
         </p:grpSpPr>
@@ -7677,7 +7677,7 @@
           </p:blipFill>
           <p:spPr>
             <a:xfrm>
-              <a:off x="9275165" y="8500158"/>
+              <a:off x="8857690" y="7713235"/>
               <a:ext cx="2424391" cy="919596"/>
             </a:xfrm>
             <a:prstGeom prst="rect">
@@ -7694,9 +7694,9 @@
         </p:nvGrpSpPr>
         <p:grpSpPr>
           <a:xfrm>
-            <a:off x="11963579" y="8228359"/>
+            <a:off x="11546104" y="7441436"/>
             <a:ext cx="6171429" cy="1513429"/>
-            <a:chOff x="11963579" y="8228359"/>
+            <a:chOff x="11546104" y="7441436"/>
             <a:chExt cx="6171429" cy="1513429"/>
           </a:xfrm>
         </p:grpSpPr>
@@ -7716,7 +7716,7 @@
           </p:blipFill>
           <p:spPr>
             <a:xfrm>
-              <a:off x="11963579" y="8228359"/>
+              <a:off x="11546104" y="7441436"/>
               <a:ext cx="6171429" cy="1513429"/>
             </a:xfrm>
             <a:prstGeom prst="rect">
@@ -7814,7 +7814,7 @@
         <p:spPr>
           <a:xfrm>
             <a:off x="5893298" y="1443213"/>
-            <a:ext cx="6079445" cy="1238064"/>
+            <a:ext cx="6079787" cy="1253511"/>
           </a:xfrm>
           <a:prstGeom prst="rect">
             <a:avLst/>
@@ -8048,6 +8048,123 @@
             <a:xfrm>
               <a:off x="11609871" y="3725148"/>
               <a:ext cx="3923275" cy="5690440"/>
+            </a:xfrm>
+            <a:prstGeom prst="rect">
+              <a:avLst/>
+            </a:prstGeom>
+          </p:spPr>
+        </p:pic>
+      </p:grpSp>
+      <p:grpSp>
+        <p:nvGrpSpPr>
+          <p:cNvPr id="1008" name="그룹 1008"/>
+          <p:cNvGrpSpPr/>
+          <p:nvPr/>
+        </p:nvGrpSpPr>
+        <p:grpSpPr>
+          <a:xfrm>
+            <a:off x="7594371" y="7342008"/>
+            <a:ext cx="497969" cy="314733"/>
+            <a:chOff x="7594371" y="7342008"/>
+            <a:chExt cx="497969" cy="314733"/>
+          </a:xfrm>
+        </p:grpSpPr>
+        <p:pic>
+          <p:nvPicPr>
+            <p:cNvPr id="25" name="Object 24"/>
+            <p:cNvPicPr>
+              <a:picLocks noChangeAspect="1"/>
+            </p:cNvPicPr>
+            <p:nvPr/>
+          </p:nvPicPr>
+          <p:blipFill>
+            <a:blip r:embed="rId10" cstate="print"/>
+            <a:stretch>
+              <a:fillRect/>
+            </a:stretch>
+          </p:blipFill>
+          <p:spPr>
+            <a:xfrm>
+              <a:off x="7594371" y="7342008"/>
+              <a:ext cx="497969" cy="314733"/>
+            </a:xfrm>
+            <a:prstGeom prst="rect">
+              <a:avLst/>
+            </a:prstGeom>
+          </p:spPr>
+        </p:pic>
+      </p:grpSp>
+      <p:grpSp>
+        <p:nvGrpSpPr>
+          <p:cNvPr id="1009" name="그룹 1009"/>
+          <p:cNvGrpSpPr/>
+          <p:nvPr/>
+        </p:nvGrpSpPr>
+        <p:grpSpPr>
+          <a:xfrm>
+            <a:off x="7594371" y="8081386"/>
+            <a:ext cx="497969" cy="314733"/>
+            <a:chOff x="7594371" y="8081386"/>
+            <a:chExt cx="497969" cy="314733"/>
+          </a:xfrm>
+        </p:grpSpPr>
+        <p:pic>
+          <p:nvPicPr>
+            <p:cNvPr id="28" name="Object 27"/>
+            <p:cNvPicPr>
+              <a:picLocks noChangeAspect="1"/>
+            </p:cNvPicPr>
+            <p:nvPr/>
+          </p:nvPicPr>
+          <p:blipFill>
+            <a:blip r:embed="rId11" cstate="print"/>
+            <a:stretch>
+              <a:fillRect/>
+            </a:stretch>
+          </p:blipFill>
+          <p:spPr>
+            <a:xfrm>
+              <a:off x="7594371" y="8081386"/>
+              <a:ext cx="497969" cy="314733"/>
+            </a:xfrm>
+            <a:prstGeom prst="rect">
+              <a:avLst/>
+            </a:prstGeom>
+          </p:spPr>
+        </p:pic>
+      </p:grpSp>
+      <p:grpSp>
+        <p:nvGrpSpPr>
+          <p:cNvPr id="1010" name="그룹 1010"/>
+          <p:cNvGrpSpPr/>
+          <p:nvPr/>
+        </p:nvGrpSpPr>
+        <p:grpSpPr>
+          <a:xfrm>
+            <a:off x="7594371" y="8470193"/>
+            <a:ext cx="497969" cy="314733"/>
+            <a:chOff x="7594371" y="8470193"/>
+            <a:chExt cx="497969" cy="314733"/>
+          </a:xfrm>
+        </p:grpSpPr>
+        <p:pic>
+          <p:nvPicPr>
+            <p:cNvPr id="31" name="Object 30"/>
+            <p:cNvPicPr>
+              <a:picLocks noChangeAspect="1"/>
+            </p:cNvPicPr>
+            <p:nvPr/>
+          </p:nvPicPr>
+          <p:blipFill>
+            <a:blip r:embed="rId12" cstate="print"/>
+            <a:stretch>
+              <a:fillRect/>
+            </a:stretch>
+          </p:blipFill>
+          <p:spPr>
+            <a:xfrm>
+              <a:off x="7594371" y="8470193"/>
+              <a:ext cx="497969" cy="314733"/>
             </a:xfrm>
             <a:prstGeom prst="rect">
               <a:avLst/>
